--- a/output/generated_presentation.pptx
+++ b/output/generated_presentation.pptx
@@ -3105,7 +3105,7 @@
           <a:lstStyle/>
           <a:p>
             <a:r>
-              <a:t>AI-Based Slide Generation</a:t>
+              <a:t>sample.pdf</a:t>
             </a:r>
           </a:p>
         </p:txBody>
@@ -3161,7 +3161,7 @@
           <a:lstStyle/>
           <a:p>
             <a:r>
-              <a:t>AI-Based Slide Generation (Part 1)</a:t>
+              <a:t>sample.pdf (Part 1)</a:t>
             </a:r>
           </a:p>
         </p:txBody>
@@ -3183,27 +3183,17 @@
           <a:p/>
           <a:p>
             <a:r>
-              <a:t>AI is revolutionizing industries through automation and data-driven decisions.</a:t>
-            </a:r>
-          </a:p>
-          <a:p>
-            <a:r>
-              <a:t>Project goal: Automatic generation of PowerPoint slides from input documents.</a:t>
-            </a:r>
-          </a:p>
-          <a:p>
-            <a:r>
-              <a:t>Supported file types: PDFs, DOCX, TXT, and CSV.</a:t>
-            </a:r>
-          </a:p>
-          <a:p>
-            <a:r>
-              <a:t>Process: Text extraction and conversion into structured slides.</a:t>
-            </a:r>
-          </a:p>
-          <a:p>
-            <a:r>
-              <a:t>Technology used: OpenAI's GPT models for text summarization and LlamaIndex.</a:t>
+              <a:t>1. AI is transforming presentation creation.</a:t>
+            </a:r>
+          </a:p>
+          <a:p>
+            <a:r>
+              <a:t>2. Project involves automation for efficient text-to-slide conversion.</a:t>
+            </a:r>
+          </a:p>
+          <a:p>
+            <a:r>
+              <a:t>3. AI techniques will be used to summarize extracted content.</a:t>
             </a:r>
           </a:p>
         </p:txBody>

--- a/output/generated_presentation.pptx
+++ b/output/generated_presentation.pptx
@@ -3105,7 +3105,7 @@
           <a:lstStyle/>
           <a:p>
             <a:r>
-              <a:t>sample.pdf</a:t>
+              <a:t>sample.txt</a:t>
             </a:r>
           </a:p>
         </p:txBody>
@@ -3161,7 +3161,7 @@
           <a:lstStyle/>
           <a:p>
             <a:r>
-              <a:t>sample.pdf (Part 1)</a:t>
+              <a:t>sample.txt (Part 1)</a:t>
             </a:r>
           </a:p>
         </p:txBody>
@@ -3183,17 +3183,22 @@
           <a:p/>
           <a:p>
             <a:r>
-              <a:t>1. AI is transforming presentation creation.</a:t>
-            </a:r>
-          </a:p>
-          <a:p>
-            <a:r>
-              <a:t>2. Project involves automation for efficient text-to-slide conversion.</a:t>
-            </a:r>
-          </a:p>
-          <a:p>
-            <a:r>
-              <a:t>3. AI techniques will be used to summarize extracted content.</a:t>
+              <a:t>1. AI is revolutionizing industries through automation and data-driven decisions.</a:t>
+            </a:r>
+          </a:p>
+          <a:p>
+            <a:r>
+              <a:t>2. Project goal: Automatic generation of PowerPoint slides from input documents.</a:t>
+            </a:r>
+          </a:p>
+          <a:p>
+            <a:r>
+              <a:t>3. Supported file formats: PDFs, DOCX, TXT, and CSV.</a:t>
+            </a:r>
+          </a:p>
+          <a:p>
+            <a:r>
+              <a:t>4. Key technologies used: OpenAI's GPT models for text summarization and LlamaIndex for information retrieval.</a:t>
             </a:r>
           </a:p>
         </p:txBody>
